--- a/BC4/BC4 RECOMMENDER SYSTEM 03.05.pptx
+++ b/BC4/BC4 RECOMMENDER SYSTEM 03.05.pptx
@@ -21613,7 +21613,7 @@
               <a:lstStyle/>
               <a:p>
                 <a:pPr algn="ctr"/>
-                <a:endParaRPr lang="ko-KR" altLang="en-US" sz="2700"/>
+                <a:endParaRPr lang="ko-KR" altLang="en-US" sz="2700" dirty="0"/>
               </a:p>
             </p:txBody>
           </p:sp>
@@ -21926,7 +21926,7 @@
               <a:lstStyle/>
               <a:p>
                 <a:pPr algn="ctr"/>
-                <a:endParaRPr lang="ko-KR" altLang="en-US" sz="2700"/>
+                <a:endParaRPr lang="ko-KR" altLang="en-US" sz="2700" dirty="0"/>
               </a:p>
             </p:txBody>
           </p:sp>
@@ -22325,10 +22325,10 @@
         </p:nvGrpSpPr>
         <p:grpSpPr>
           <a:xfrm>
-            <a:off x="432964" y="1260225"/>
-            <a:ext cx="5076774" cy="2339102"/>
-            <a:chOff x="432964" y="1327353"/>
-            <a:chExt cx="5076774" cy="2339102"/>
+            <a:off x="121970" y="1150247"/>
+            <a:ext cx="4219838" cy="4231928"/>
+            <a:chOff x="405110" y="1327353"/>
+            <a:chExt cx="4219838" cy="4231928"/>
           </a:xfrm>
         </p:grpSpPr>
         <p:grpSp>
@@ -22348,7 +22348,7 @@
               <a:off x="432964" y="1382719"/>
               <a:ext cx="287331" cy="267883"/>
               <a:chOff x="1481943" y="1694572"/>
-              <a:chExt cx="3165229" cy="2803300"/>
+              <a:chExt cx="3165229" cy="2803298"/>
             </a:xfrm>
           </p:grpSpPr>
           <p:sp>
@@ -22422,8 +22422,8 @@
             </p:nvSpPr>
             <p:spPr>
               <a:xfrm>
-                <a:off x="2273250" y="1694572"/>
-                <a:ext cx="2373922" cy="2803300"/>
+                <a:off x="2273253" y="1694572"/>
+                <a:ext cx="2373919" cy="2803298"/>
               </a:xfrm>
               <a:custGeom>
                 <a:avLst/>
@@ -22658,9 +22658,9 @@
           </p:nvGrpSpPr>
           <p:grpSpPr>
             <a:xfrm>
-              <a:off x="432964" y="2321109"/>
+              <a:off x="434302" y="2433678"/>
               <a:ext cx="287331" cy="267883"/>
-              <a:chOff x="1481943" y="1694572"/>
+              <a:chOff x="1496682" y="2872566"/>
               <a:chExt cx="3165229" cy="2803300"/>
             </a:xfrm>
           </p:grpSpPr>
@@ -22678,8 +22678,8 @@
             </p:nvSpPr>
             <p:spPr>
               <a:xfrm>
-                <a:off x="1481943" y="3033346"/>
-                <a:ext cx="791307" cy="1362808"/>
+                <a:off x="1496682" y="4211339"/>
+                <a:ext cx="791310" cy="1362810"/>
               </a:xfrm>
               <a:prstGeom prst="rect">
                 <a:avLst/>
@@ -22735,8 +22735,8 @@
             </p:nvSpPr>
             <p:spPr>
               <a:xfrm>
-                <a:off x="2273250" y="1694572"/>
-                <a:ext cx="2373922" cy="2803300"/>
+                <a:off x="2287992" y="2872566"/>
+                <a:ext cx="2373919" cy="2803300"/>
               </a:xfrm>
               <a:custGeom>
                 <a:avLst/>
@@ -22971,9 +22971,9 @@
           </p:nvGrpSpPr>
           <p:grpSpPr>
             <a:xfrm>
-              <a:off x="432964" y="3121846"/>
+              <a:off x="405110" y="3488348"/>
               <a:ext cx="287331" cy="267883"/>
-              <a:chOff x="1481943" y="1694572"/>
+              <a:chOff x="1175104" y="5529885"/>
               <a:chExt cx="3165229" cy="2803300"/>
             </a:xfrm>
           </p:grpSpPr>
@@ -22991,8 +22991,8 @@
             </p:nvSpPr>
             <p:spPr>
               <a:xfrm>
-                <a:off x="1481943" y="3033346"/>
-                <a:ext cx="791307" cy="1362808"/>
+                <a:off x="1175104" y="6868658"/>
+                <a:ext cx="791310" cy="1362810"/>
               </a:xfrm>
               <a:prstGeom prst="rect">
                 <a:avLst/>
@@ -23048,8 +23048,8 @@
             </p:nvSpPr>
             <p:spPr>
               <a:xfrm>
-                <a:off x="2273250" y="1694572"/>
-                <a:ext cx="2373922" cy="2803300"/>
+                <a:off x="1966414" y="5529885"/>
+                <a:ext cx="2373919" cy="2803300"/>
               </a:xfrm>
               <a:custGeom>
                 <a:avLst/>
@@ -23284,8 +23284,8 @@
           </p:nvSpPr>
           <p:spPr>
             <a:xfrm>
-              <a:off x="956441" y="1327353"/>
-              <a:ext cx="4553297" cy="2339102"/>
+              <a:off x="956442" y="1327353"/>
+              <a:ext cx="3668506" cy="4231928"/>
             </a:xfrm>
             <a:prstGeom prst="rect">
               <a:avLst/>
@@ -23372,6 +23372,17 @@
                 </a:spcBef>
               </a:pPr>
               <a:r>
+                <a:rPr lang="pt-PT" dirty="0" err="1">
+                  <a:solidFill>
+                    <a:schemeClr val="bg1"/>
+                  </a:solidFill>
+                  <a:latin typeface="Calibri" panose="020F0502020204030204" pitchFamily="34" charset="0"/>
+                  <a:ea typeface="Calibri" panose="020F0502020204030204" pitchFamily="34" charset="0"/>
+                  <a:cs typeface="Times New Roman" panose="02020603050405020304" pitchFamily="18" charset="0"/>
+                </a:rPr>
+                <a:t>The</a:t>
+              </a:r>
+              <a:r>
                 <a:rPr lang="pt-PT" dirty="0">
                   <a:solidFill>
                     <a:schemeClr val="bg1"/>
@@ -23380,8 +23391,482 @@
                   <a:ea typeface="Calibri" panose="020F0502020204030204" pitchFamily="34" charset="0"/>
                   <a:cs typeface="Times New Roman" panose="02020603050405020304" pitchFamily="18" charset="0"/>
                 </a:rPr>
-                <a:t>Most customers buy only one order and few of them bought more than 15 times. </a:t>
+                <a:t> </a:t>
               </a:r>
+              <a:r>
+                <a:rPr lang="pt-PT" dirty="0" err="1">
+                  <a:solidFill>
+                    <a:schemeClr val="bg1"/>
+                  </a:solidFill>
+                  <a:latin typeface="Calibri" panose="020F0502020204030204" pitchFamily="34" charset="0"/>
+                  <a:ea typeface="Calibri" panose="020F0502020204030204" pitchFamily="34" charset="0"/>
+                  <a:cs typeface="Times New Roman" panose="02020603050405020304" pitchFamily="18" charset="0"/>
+                </a:rPr>
+                <a:t>most</a:t>
+              </a:r>
+              <a:r>
+                <a:rPr lang="pt-PT" dirty="0">
+                  <a:solidFill>
+                    <a:schemeClr val="bg1"/>
+                  </a:solidFill>
+                  <a:latin typeface="Calibri" panose="020F0502020204030204" pitchFamily="34" charset="0"/>
+                  <a:ea typeface="Calibri" panose="020F0502020204030204" pitchFamily="34" charset="0"/>
+                  <a:cs typeface="Times New Roman" panose="02020603050405020304" pitchFamily="18" charset="0"/>
+                </a:rPr>
+                <a:t> </a:t>
+              </a:r>
+              <a:r>
+                <a:rPr lang="pt-PT" dirty="0" err="1">
+                  <a:solidFill>
+                    <a:schemeClr val="bg1"/>
+                  </a:solidFill>
+                  <a:latin typeface="Calibri" panose="020F0502020204030204" pitchFamily="34" charset="0"/>
+                  <a:ea typeface="Calibri" panose="020F0502020204030204" pitchFamily="34" charset="0"/>
+                  <a:cs typeface="Times New Roman" panose="02020603050405020304" pitchFamily="18" charset="0"/>
+                </a:rPr>
+                <a:t>cancell</a:t>
+              </a:r>
+              <a:r>
+                <a:rPr lang="pt-PT" dirty="0">
+                  <a:solidFill>
+                    <a:schemeClr val="bg1"/>
+                  </a:solidFill>
+                  <a:latin typeface="Calibri" panose="020F0502020204030204" pitchFamily="34" charset="0"/>
+                  <a:ea typeface="Calibri" panose="020F0502020204030204" pitchFamily="34" charset="0"/>
+                  <a:cs typeface="Times New Roman" panose="02020603050405020304" pitchFamily="18" charset="0"/>
+                </a:rPr>
+                <a:t> item </a:t>
+              </a:r>
+              <a:r>
+                <a:rPr lang="pt-PT" dirty="0" err="1">
+                  <a:solidFill>
+                    <a:schemeClr val="bg1"/>
+                  </a:solidFill>
+                  <a:latin typeface="Calibri" panose="020F0502020204030204" pitchFamily="34" charset="0"/>
+                  <a:ea typeface="Calibri" panose="020F0502020204030204" pitchFamily="34" charset="0"/>
+                  <a:cs typeface="Times New Roman" panose="02020603050405020304" pitchFamily="18" charset="0"/>
+                </a:rPr>
+                <a:t>is</a:t>
+              </a:r>
+              <a:r>
+                <a:rPr lang="pt-PT" dirty="0">
+                  <a:solidFill>
+                    <a:schemeClr val="bg1"/>
+                  </a:solidFill>
+                  <a:latin typeface="Calibri" panose="020F0502020204030204" pitchFamily="34" charset="0"/>
+                  <a:ea typeface="Calibri" panose="020F0502020204030204" pitchFamily="34" charset="0"/>
+                  <a:cs typeface="Times New Roman" panose="02020603050405020304" pitchFamily="18" charset="0"/>
+                </a:rPr>
+                <a:t> </a:t>
+              </a:r>
+              <a:r>
+                <a:rPr lang="pt-PT" dirty="0" err="1">
+                  <a:solidFill>
+                    <a:schemeClr val="bg1"/>
+                  </a:solidFill>
+                  <a:latin typeface="Calibri" panose="020F0502020204030204" pitchFamily="34" charset="0"/>
+                  <a:ea typeface="Calibri" panose="020F0502020204030204" pitchFamily="34" charset="0"/>
+                  <a:cs typeface="Times New Roman" panose="02020603050405020304" pitchFamily="18" charset="0"/>
+                </a:rPr>
+                <a:t>PaperCraft</a:t>
+              </a:r>
+              <a:r>
+                <a:rPr lang="pt-PT" dirty="0">
+                  <a:solidFill>
+                    <a:schemeClr val="bg1"/>
+                  </a:solidFill>
+                  <a:latin typeface="Calibri" panose="020F0502020204030204" pitchFamily="34" charset="0"/>
+                  <a:ea typeface="Calibri" panose="020F0502020204030204" pitchFamily="34" charset="0"/>
+                  <a:cs typeface="Times New Roman" panose="02020603050405020304" pitchFamily="18" charset="0"/>
+                </a:rPr>
+                <a:t> </a:t>
+              </a:r>
+              <a:r>
+                <a:rPr lang="pt-PT" dirty="0" err="1">
+                  <a:solidFill>
+                    <a:schemeClr val="bg1"/>
+                  </a:solidFill>
+                  <a:latin typeface="Calibri" panose="020F0502020204030204" pitchFamily="34" charset="0"/>
+                  <a:ea typeface="Calibri" panose="020F0502020204030204" pitchFamily="34" charset="0"/>
+                  <a:cs typeface="Times New Roman" panose="02020603050405020304" pitchFamily="18" charset="0"/>
+                </a:rPr>
+                <a:t>followed</a:t>
+              </a:r>
+              <a:r>
+                <a:rPr lang="pt-PT" dirty="0">
+                  <a:solidFill>
+                    <a:schemeClr val="bg1"/>
+                  </a:solidFill>
+                  <a:latin typeface="Calibri" panose="020F0502020204030204" pitchFamily="34" charset="0"/>
+                  <a:ea typeface="Calibri" panose="020F0502020204030204" pitchFamily="34" charset="0"/>
+                  <a:cs typeface="Times New Roman" panose="02020603050405020304" pitchFamily="18" charset="0"/>
+                </a:rPr>
+                <a:t> </a:t>
+              </a:r>
+              <a:r>
+                <a:rPr lang="pt-PT" dirty="0" err="1">
+                  <a:solidFill>
+                    <a:schemeClr val="bg1"/>
+                  </a:solidFill>
+                  <a:latin typeface="Calibri" panose="020F0502020204030204" pitchFamily="34" charset="0"/>
+                  <a:ea typeface="Calibri" panose="020F0502020204030204" pitchFamily="34" charset="0"/>
+                  <a:cs typeface="Times New Roman" panose="02020603050405020304" pitchFamily="18" charset="0"/>
+                </a:rPr>
+                <a:t>by</a:t>
+              </a:r>
+              <a:r>
+                <a:rPr lang="pt-PT" dirty="0">
+                  <a:solidFill>
+                    <a:schemeClr val="bg1"/>
+                  </a:solidFill>
+                  <a:latin typeface="Calibri" panose="020F0502020204030204" pitchFamily="34" charset="0"/>
+                  <a:ea typeface="Calibri" panose="020F0502020204030204" pitchFamily="34" charset="0"/>
+                  <a:cs typeface="Times New Roman" panose="02020603050405020304" pitchFamily="18" charset="0"/>
+                </a:rPr>
+                <a:t> </a:t>
+              </a:r>
+              <a:r>
+                <a:rPr lang="pt-PT" dirty="0" err="1">
+                  <a:solidFill>
+                    <a:schemeClr val="bg1"/>
+                  </a:solidFill>
+                  <a:latin typeface="Calibri" panose="020F0502020204030204" pitchFamily="34" charset="0"/>
+                  <a:ea typeface="Calibri" panose="020F0502020204030204" pitchFamily="34" charset="0"/>
+                  <a:cs typeface="Times New Roman" panose="02020603050405020304" pitchFamily="18" charset="0"/>
+                </a:rPr>
+                <a:t>Medium</a:t>
+              </a:r>
+              <a:r>
+                <a:rPr lang="pt-PT" dirty="0">
+                  <a:solidFill>
+                    <a:schemeClr val="bg1"/>
+                  </a:solidFill>
+                  <a:latin typeface="Calibri" panose="020F0502020204030204" pitchFamily="34" charset="0"/>
+                  <a:ea typeface="Calibri" panose="020F0502020204030204" pitchFamily="34" charset="0"/>
+                  <a:cs typeface="Times New Roman" panose="02020603050405020304" pitchFamily="18" charset="0"/>
+                </a:rPr>
+                <a:t> </a:t>
+              </a:r>
+              <a:r>
+                <a:rPr lang="pt-PT" dirty="0" err="1">
+                  <a:solidFill>
+                    <a:schemeClr val="bg1"/>
+                  </a:solidFill>
+                  <a:latin typeface="Calibri" panose="020F0502020204030204" pitchFamily="34" charset="0"/>
+                  <a:ea typeface="Calibri" panose="020F0502020204030204" pitchFamily="34" charset="0"/>
+                  <a:cs typeface="Times New Roman" panose="02020603050405020304" pitchFamily="18" charset="0"/>
+                </a:rPr>
+                <a:t>Ceramic</a:t>
+              </a:r>
+              <a:endParaRPr lang="pt-PT" dirty="0">
+                <a:solidFill>
+                  <a:schemeClr val="bg1"/>
+                </a:solidFill>
+                <a:latin typeface="Calibri" panose="020F0502020204030204" pitchFamily="34" charset="0"/>
+                <a:ea typeface="Calibri" panose="020F0502020204030204" pitchFamily="34" charset="0"/>
+                <a:cs typeface="Times New Roman" panose="02020603050405020304" pitchFamily="18" charset="0"/>
+              </a:endParaRPr>
+            </a:p>
+            <a:p>
+              <a:pPr lvl="0" algn="just">
+                <a:spcBef>
+                  <a:spcPts val="600"/>
+                </a:spcBef>
+              </a:pPr>
+              <a:endParaRPr lang="pt-PT" dirty="0">
+                <a:solidFill>
+                  <a:schemeClr val="bg1"/>
+                </a:solidFill>
+                <a:latin typeface="Calibri" panose="020F0502020204030204" pitchFamily="34" charset="0"/>
+                <a:ea typeface="Calibri" panose="020F0502020204030204" pitchFamily="34" charset="0"/>
+                <a:cs typeface="Times New Roman" panose="02020603050405020304" pitchFamily="18" charset="0"/>
+              </a:endParaRPr>
+            </a:p>
+            <a:p>
+              <a:pPr algn="just">
+                <a:spcBef>
+                  <a:spcPts val="600"/>
+                </a:spcBef>
+              </a:pPr>
+              <a:r>
+                <a:rPr lang="pt-PT" dirty="0" err="1">
+                  <a:solidFill>
+                    <a:schemeClr val="bg1"/>
+                  </a:solidFill>
+                  <a:latin typeface="Calibri" panose="020F0502020204030204" pitchFamily="34" charset="0"/>
+                  <a:ea typeface="Calibri" panose="020F0502020204030204" pitchFamily="34" charset="0"/>
+                  <a:cs typeface="Times New Roman" panose="02020603050405020304" pitchFamily="18" charset="0"/>
+                </a:rPr>
+                <a:t>Most</a:t>
+              </a:r>
+              <a:r>
+                <a:rPr lang="pt-PT" dirty="0">
+                  <a:solidFill>
+                    <a:schemeClr val="bg1"/>
+                  </a:solidFill>
+                  <a:latin typeface="Calibri" panose="020F0502020204030204" pitchFamily="34" charset="0"/>
+                  <a:ea typeface="Calibri" panose="020F0502020204030204" pitchFamily="34" charset="0"/>
+                  <a:cs typeface="Times New Roman" panose="02020603050405020304" pitchFamily="18" charset="0"/>
+                </a:rPr>
+                <a:t> </a:t>
+              </a:r>
+              <a:r>
+                <a:rPr lang="pt-PT" dirty="0" err="1">
+                  <a:solidFill>
+                    <a:schemeClr val="bg1"/>
+                  </a:solidFill>
+                  <a:latin typeface="Calibri" panose="020F0502020204030204" pitchFamily="34" charset="0"/>
+                  <a:ea typeface="Calibri" panose="020F0502020204030204" pitchFamily="34" charset="0"/>
+                  <a:cs typeface="Times New Roman" panose="02020603050405020304" pitchFamily="18" charset="0"/>
+                </a:rPr>
+                <a:t>customers</a:t>
+              </a:r>
+              <a:r>
+                <a:rPr lang="pt-PT" dirty="0">
+                  <a:solidFill>
+                    <a:schemeClr val="bg1"/>
+                  </a:solidFill>
+                  <a:latin typeface="Calibri" panose="020F0502020204030204" pitchFamily="34" charset="0"/>
+                  <a:ea typeface="Calibri" panose="020F0502020204030204" pitchFamily="34" charset="0"/>
+                  <a:cs typeface="Times New Roman" panose="02020603050405020304" pitchFamily="18" charset="0"/>
+                </a:rPr>
+                <a:t> </a:t>
+              </a:r>
+              <a:r>
+                <a:rPr lang="pt-PT" dirty="0" err="1">
+                  <a:solidFill>
+                    <a:schemeClr val="bg1"/>
+                  </a:solidFill>
+                  <a:latin typeface="Calibri" panose="020F0502020204030204" pitchFamily="34" charset="0"/>
+                  <a:ea typeface="Calibri" panose="020F0502020204030204" pitchFamily="34" charset="0"/>
+                  <a:cs typeface="Times New Roman" panose="02020603050405020304" pitchFamily="18" charset="0"/>
+                </a:rPr>
+                <a:t>buy</a:t>
+              </a:r>
+              <a:r>
+                <a:rPr lang="pt-PT" dirty="0">
+                  <a:solidFill>
+                    <a:schemeClr val="bg1"/>
+                  </a:solidFill>
+                  <a:latin typeface="Calibri" panose="020F0502020204030204" pitchFamily="34" charset="0"/>
+                  <a:ea typeface="Calibri" panose="020F0502020204030204" pitchFamily="34" charset="0"/>
+                  <a:cs typeface="Times New Roman" panose="02020603050405020304" pitchFamily="18" charset="0"/>
+                </a:rPr>
+                <a:t> </a:t>
+              </a:r>
+              <a:r>
+                <a:rPr lang="pt-PT" dirty="0" err="1">
+                  <a:solidFill>
+                    <a:schemeClr val="bg1"/>
+                  </a:solidFill>
+                  <a:latin typeface="Calibri" panose="020F0502020204030204" pitchFamily="34" charset="0"/>
+                  <a:ea typeface="Calibri" panose="020F0502020204030204" pitchFamily="34" charset="0"/>
+                  <a:cs typeface="Times New Roman" panose="02020603050405020304" pitchFamily="18" charset="0"/>
+                </a:rPr>
+                <a:t>only</a:t>
+              </a:r>
+              <a:r>
+                <a:rPr lang="pt-PT" dirty="0">
+                  <a:solidFill>
+                    <a:schemeClr val="bg1"/>
+                  </a:solidFill>
+                  <a:latin typeface="Calibri" panose="020F0502020204030204" pitchFamily="34" charset="0"/>
+                  <a:ea typeface="Calibri" panose="020F0502020204030204" pitchFamily="34" charset="0"/>
+                  <a:cs typeface="Times New Roman" panose="02020603050405020304" pitchFamily="18" charset="0"/>
+                </a:rPr>
+                <a:t> </a:t>
+              </a:r>
+              <a:r>
+                <a:rPr lang="pt-PT" dirty="0" err="1">
+                  <a:solidFill>
+                    <a:schemeClr val="bg1"/>
+                  </a:solidFill>
+                  <a:latin typeface="Calibri" panose="020F0502020204030204" pitchFamily="34" charset="0"/>
+                  <a:ea typeface="Calibri" panose="020F0502020204030204" pitchFamily="34" charset="0"/>
+                  <a:cs typeface="Times New Roman" panose="02020603050405020304" pitchFamily="18" charset="0"/>
+                </a:rPr>
+                <a:t>one</a:t>
+              </a:r>
+              <a:r>
+                <a:rPr lang="pt-PT" dirty="0">
+                  <a:solidFill>
+                    <a:schemeClr val="bg1"/>
+                  </a:solidFill>
+                  <a:latin typeface="Calibri" panose="020F0502020204030204" pitchFamily="34" charset="0"/>
+                  <a:ea typeface="Calibri" panose="020F0502020204030204" pitchFamily="34" charset="0"/>
+                  <a:cs typeface="Times New Roman" panose="02020603050405020304" pitchFamily="18" charset="0"/>
+                </a:rPr>
+                <a:t> </a:t>
+              </a:r>
+              <a:r>
+                <a:rPr lang="pt-PT" dirty="0" err="1">
+                  <a:solidFill>
+                    <a:schemeClr val="bg1"/>
+                  </a:solidFill>
+                  <a:latin typeface="Calibri" panose="020F0502020204030204" pitchFamily="34" charset="0"/>
+                  <a:ea typeface="Calibri" panose="020F0502020204030204" pitchFamily="34" charset="0"/>
+                  <a:cs typeface="Times New Roman" panose="02020603050405020304" pitchFamily="18" charset="0"/>
+                </a:rPr>
+                <a:t>order</a:t>
+              </a:r>
+              <a:r>
+                <a:rPr lang="pt-PT" dirty="0">
+                  <a:solidFill>
+                    <a:schemeClr val="bg1"/>
+                  </a:solidFill>
+                  <a:latin typeface="Calibri" panose="020F0502020204030204" pitchFamily="34" charset="0"/>
+                  <a:ea typeface="Calibri" panose="020F0502020204030204" pitchFamily="34" charset="0"/>
+                  <a:cs typeface="Times New Roman" panose="02020603050405020304" pitchFamily="18" charset="0"/>
+                </a:rPr>
+                <a:t> </a:t>
+              </a:r>
+              <a:r>
+                <a:rPr lang="pt-PT" dirty="0" err="1">
+                  <a:solidFill>
+                    <a:schemeClr val="bg1"/>
+                  </a:solidFill>
+                  <a:latin typeface="Calibri" panose="020F0502020204030204" pitchFamily="34" charset="0"/>
+                  <a:ea typeface="Calibri" panose="020F0502020204030204" pitchFamily="34" charset="0"/>
+                  <a:cs typeface="Times New Roman" panose="02020603050405020304" pitchFamily="18" charset="0"/>
+                </a:rPr>
+                <a:t>and</a:t>
+              </a:r>
+              <a:r>
+                <a:rPr lang="pt-PT" dirty="0">
+                  <a:solidFill>
+                    <a:schemeClr val="bg1"/>
+                  </a:solidFill>
+                  <a:latin typeface="Calibri" panose="020F0502020204030204" pitchFamily="34" charset="0"/>
+                  <a:ea typeface="Calibri" panose="020F0502020204030204" pitchFamily="34" charset="0"/>
+                  <a:cs typeface="Times New Roman" panose="02020603050405020304" pitchFamily="18" charset="0"/>
+                </a:rPr>
+                <a:t> </a:t>
+              </a:r>
+              <a:r>
+                <a:rPr lang="pt-PT" dirty="0" err="1">
+                  <a:solidFill>
+                    <a:schemeClr val="bg1"/>
+                  </a:solidFill>
+                  <a:latin typeface="Calibri" panose="020F0502020204030204" pitchFamily="34" charset="0"/>
+                  <a:ea typeface="Calibri" panose="020F0502020204030204" pitchFamily="34" charset="0"/>
+                  <a:cs typeface="Times New Roman" panose="02020603050405020304" pitchFamily="18" charset="0"/>
+                </a:rPr>
+                <a:t>few</a:t>
+              </a:r>
+              <a:r>
+                <a:rPr lang="pt-PT" dirty="0">
+                  <a:solidFill>
+                    <a:schemeClr val="bg1"/>
+                  </a:solidFill>
+                  <a:latin typeface="Calibri" panose="020F0502020204030204" pitchFamily="34" charset="0"/>
+                  <a:ea typeface="Calibri" panose="020F0502020204030204" pitchFamily="34" charset="0"/>
+                  <a:cs typeface="Times New Roman" panose="02020603050405020304" pitchFamily="18" charset="0"/>
+                </a:rPr>
+                <a:t> </a:t>
+              </a:r>
+              <a:r>
+                <a:rPr lang="pt-PT" dirty="0" err="1">
+                  <a:solidFill>
+                    <a:schemeClr val="bg1"/>
+                  </a:solidFill>
+                  <a:latin typeface="Calibri" panose="020F0502020204030204" pitchFamily="34" charset="0"/>
+                  <a:ea typeface="Calibri" panose="020F0502020204030204" pitchFamily="34" charset="0"/>
+                  <a:cs typeface="Times New Roman" panose="02020603050405020304" pitchFamily="18" charset="0"/>
+                </a:rPr>
+                <a:t>of</a:t>
+              </a:r>
+              <a:r>
+                <a:rPr lang="pt-PT" dirty="0">
+                  <a:solidFill>
+                    <a:schemeClr val="bg1"/>
+                  </a:solidFill>
+                  <a:latin typeface="Calibri" panose="020F0502020204030204" pitchFamily="34" charset="0"/>
+                  <a:ea typeface="Calibri" panose="020F0502020204030204" pitchFamily="34" charset="0"/>
+                  <a:cs typeface="Times New Roman" panose="02020603050405020304" pitchFamily="18" charset="0"/>
+                </a:rPr>
+                <a:t> </a:t>
+              </a:r>
+              <a:r>
+                <a:rPr lang="pt-PT" dirty="0" err="1">
+                  <a:solidFill>
+                    <a:schemeClr val="bg1"/>
+                  </a:solidFill>
+                  <a:latin typeface="Calibri" panose="020F0502020204030204" pitchFamily="34" charset="0"/>
+                  <a:ea typeface="Calibri" panose="020F0502020204030204" pitchFamily="34" charset="0"/>
+                  <a:cs typeface="Times New Roman" panose="02020603050405020304" pitchFamily="18" charset="0"/>
+                </a:rPr>
+                <a:t>them</a:t>
+              </a:r>
+              <a:r>
+                <a:rPr lang="pt-PT" dirty="0">
+                  <a:solidFill>
+                    <a:schemeClr val="bg1"/>
+                  </a:solidFill>
+                  <a:latin typeface="Calibri" panose="020F0502020204030204" pitchFamily="34" charset="0"/>
+                  <a:ea typeface="Calibri" panose="020F0502020204030204" pitchFamily="34" charset="0"/>
+                  <a:cs typeface="Times New Roman" panose="02020603050405020304" pitchFamily="18" charset="0"/>
+                </a:rPr>
+                <a:t> </a:t>
+              </a:r>
+              <a:r>
+                <a:rPr lang="pt-PT" dirty="0" err="1">
+                  <a:solidFill>
+                    <a:schemeClr val="bg1"/>
+                  </a:solidFill>
+                  <a:latin typeface="Calibri" panose="020F0502020204030204" pitchFamily="34" charset="0"/>
+                  <a:ea typeface="Calibri" panose="020F0502020204030204" pitchFamily="34" charset="0"/>
+                  <a:cs typeface="Times New Roman" panose="02020603050405020304" pitchFamily="18" charset="0"/>
+                </a:rPr>
+                <a:t>bought</a:t>
+              </a:r>
+              <a:r>
+                <a:rPr lang="pt-PT" dirty="0">
+                  <a:solidFill>
+                    <a:schemeClr val="bg1"/>
+                  </a:solidFill>
+                  <a:latin typeface="Calibri" panose="020F0502020204030204" pitchFamily="34" charset="0"/>
+                  <a:ea typeface="Calibri" panose="020F0502020204030204" pitchFamily="34" charset="0"/>
+                  <a:cs typeface="Times New Roman" panose="02020603050405020304" pitchFamily="18" charset="0"/>
+                </a:rPr>
+                <a:t> more </a:t>
+              </a:r>
+              <a:r>
+                <a:rPr lang="pt-PT" dirty="0" err="1">
+                  <a:solidFill>
+                    <a:schemeClr val="bg1"/>
+                  </a:solidFill>
+                  <a:latin typeface="Calibri" panose="020F0502020204030204" pitchFamily="34" charset="0"/>
+                  <a:ea typeface="Calibri" panose="020F0502020204030204" pitchFamily="34" charset="0"/>
+                  <a:cs typeface="Times New Roman" panose="02020603050405020304" pitchFamily="18" charset="0"/>
+                </a:rPr>
+                <a:t>than</a:t>
+              </a:r>
+              <a:r>
+                <a:rPr lang="pt-PT" dirty="0">
+                  <a:solidFill>
+                    <a:schemeClr val="bg1"/>
+                  </a:solidFill>
+                  <a:latin typeface="Calibri" panose="020F0502020204030204" pitchFamily="34" charset="0"/>
+                  <a:ea typeface="Calibri" panose="020F0502020204030204" pitchFamily="34" charset="0"/>
+                  <a:cs typeface="Times New Roman" panose="02020603050405020304" pitchFamily="18" charset="0"/>
+                </a:rPr>
+                <a:t> 15 times. </a:t>
+              </a:r>
+            </a:p>
+            <a:p>
+              <a:pPr lvl="0" algn="just">
+                <a:spcBef>
+                  <a:spcPts val="600"/>
+                </a:spcBef>
+              </a:pPr>
+              <a:endParaRPr lang="pt-PT" dirty="0">
+                <a:solidFill>
+                  <a:schemeClr val="bg1"/>
+                </a:solidFill>
+                <a:latin typeface="Calibri" panose="020F0502020204030204" pitchFamily="34" charset="0"/>
+                <a:ea typeface="Calibri" panose="020F0502020204030204" pitchFamily="34" charset="0"/>
+                <a:cs typeface="Times New Roman" panose="02020603050405020304" pitchFamily="18" charset="0"/>
+              </a:endParaRPr>
             </a:p>
           </p:txBody>
         </p:sp>
@@ -23414,8 +23899,8 @@
         </p:blipFill>
         <p:spPr>
           <a:xfrm>
-            <a:off x="1913133" y="4051816"/>
-            <a:ext cx="3596605" cy="2588597"/>
+            <a:off x="4718544" y="487850"/>
+            <a:ext cx="3667225" cy="2639425"/>
           </a:xfrm>
           <a:prstGeom prst="rect">
             <a:avLst/>
@@ -23444,8 +23929,8 @@
         </p:blipFill>
         <p:spPr>
           <a:xfrm>
-            <a:off x="7704039" y="4052481"/>
-            <a:ext cx="2574828" cy="2588597"/>
+            <a:off x="9119824" y="302007"/>
+            <a:ext cx="2398874" cy="2411702"/>
           </a:xfrm>
           <a:prstGeom prst="rect">
             <a:avLst/>
@@ -23480,8 +23965,336 @@
         </p:blipFill>
         <p:spPr>
           <a:xfrm>
-            <a:off x="6482693" y="966952"/>
-            <a:ext cx="4846841" cy="2588597"/>
+            <a:off x="4402905" y="3799173"/>
+            <a:ext cx="4438684" cy="2370609"/>
+          </a:xfrm>
+          <a:prstGeom prst="rect">
+            <a:avLst/>
+          </a:prstGeom>
+        </p:spPr>
+      </p:pic>
+      <p:sp>
+        <p:nvSpPr>
+          <p:cNvPr id="27" name="Rectangle 270">
+            <a:extLst>
+              <a:ext uri="{FF2B5EF4-FFF2-40B4-BE49-F238E27FC236}">
+                <a16:creationId xmlns:a16="http://schemas.microsoft.com/office/drawing/2014/main" id="{F21BB91F-9AE1-49BF-B4B0-8C4AF6B1C7D5}"/>
+              </a:ext>
+            </a:extLst>
+          </p:cNvPr>
+          <p:cNvSpPr/>
+          <p:nvPr/>
+        </p:nvSpPr>
+        <p:spPr>
+          <a:xfrm>
+            <a:off x="68419" y="4497140"/>
+            <a:ext cx="71833" cy="130230"/>
+          </a:xfrm>
+          <a:prstGeom prst="rect">
+            <a:avLst/>
+          </a:prstGeom>
+          <a:solidFill>
+            <a:schemeClr val="accent1"/>
+          </a:solidFill>
+          <a:ln w="19050">
+            <a:solidFill>
+              <a:schemeClr val="tx1">
+                <a:lumMod val="75000"/>
+                <a:lumOff val="25000"/>
+              </a:schemeClr>
+            </a:solidFill>
+          </a:ln>
+        </p:spPr>
+        <p:style>
+          <a:lnRef idx="2">
+            <a:schemeClr val="accent1">
+              <a:shade val="50000"/>
+            </a:schemeClr>
+          </a:lnRef>
+          <a:fillRef idx="1">
+            <a:schemeClr val="accent1"/>
+          </a:fillRef>
+          <a:effectRef idx="0">
+            <a:schemeClr val="accent1"/>
+          </a:effectRef>
+          <a:fontRef idx="minor">
+            <a:schemeClr val="lt1"/>
+          </a:fontRef>
+        </p:style>
+        <p:txBody>
+          <a:bodyPr rtlCol="0" anchor="ctr"/>
+          <a:lstStyle/>
+          <a:p>
+            <a:pPr algn="ctr"/>
+            <a:endParaRPr lang="en-US" dirty="0"/>
+          </a:p>
+        </p:txBody>
+      </p:sp>
+      <p:sp>
+        <p:nvSpPr>
+          <p:cNvPr id="28" name="Freeform: Shape 271">
+            <a:extLst>
+              <a:ext uri="{FF2B5EF4-FFF2-40B4-BE49-F238E27FC236}">
+                <a16:creationId xmlns:a16="http://schemas.microsoft.com/office/drawing/2014/main" id="{629D1832-D8BB-42D9-9A8C-77940132FDD7}"/>
+              </a:ext>
+            </a:extLst>
+          </p:cNvPr>
+          <p:cNvSpPr/>
+          <p:nvPr/>
+        </p:nvSpPr>
+        <p:spPr>
+          <a:xfrm>
+            <a:off x="140252" y="4375632"/>
+            <a:ext cx="215498" cy="267883"/>
+          </a:xfrm>
+          <a:custGeom>
+            <a:avLst/>
+            <a:gdLst>
+              <a:gd name="connsiteX0" fmla="*/ 1049822 w 2373922"/>
+              <a:gd name="connsiteY0" fmla="*/ 145 h 2803300"/>
+              <a:gd name="connsiteX1" fmla="*/ 1317525 w 2373922"/>
+              <a:gd name="connsiteY1" fmla="*/ 265693 h 2803300"/>
+              <a:gd name="connsiteX2" fmla="*/ 1225576 w 2373922"/>
+              <a:gd name="connsiteY2" fmla="*/ 1179047 h 2803300"/>
+              <a:gd name="connsiteX3" fmla="*/ 1985680 w 2373922"/>
+              <a:gd name="connsiteY3" fmla="*/ 1111618 h 2803300"/>
+              <a:gd name="connsiteX4" fmla="*/ 2175707 w 2373922"/>
+              <a:gd name="connsiteY4" fmla="*/ 1491671 h 2803300"/>
+              <a:gd name="connsiteX5" fmla="*/ 2194096 w 2373922"/>
+              <a:gd name="connsiteY5" fmla="*/ 1896244 h 2803300"/>
+              <a:gd name="connsiteX6" fmla="*/ 2151187 w 2373922"/>
+              <a:gd name="connsiteY6" fmla="*/ 2355986 h 2803300"/>
+              <a:gd name="connsiteX7" fmla="*/ 2132798 w 2373922"/>
+              <a:gd name="connsiteY7" fmla="*/ 2662480 h 2803300"/>
+              <a:gd name="connsiteX8" fmla="*/ 508383 w 2373922"/>
+              <a:gd name="connsiteY8" fmla="*/ 2686999 h 2803300"/>
+              <a:gd name="connsiteX9" fmla="*/ 99892 w 2373922"/>
+              <a:gd name="connsiteY9" fmla="*/ 2541486 h 2803300"/>
+              <a:gd name="connsiteX10" fmla="*/ 0 w 2373922"/>
+              <a:gd name="connsiteY10" fmla="*/ 2527191 h 2803300"/>
+              <a:gd name="connsiteX11" fmla="*/ 0 w 2373922"/>
+              <a:gd name="connsiteY11" fmla="*/ 1492941 h 2803300"/>
+              <a:gd name="connsiteX12" fmla="*/ 15103 w 2373922"/>
+              <a:gd name="connsiteY12" fmla="*/ 1488772 h 2803300"/>
+              <a:gd name="connsiteX13" fmla="*/ 60902 w 2373922"/>
+              <a:gd name="connsiteY13" fmla="*/ 1467152 h 2803300"/>
+              <a:gd name="connsiteX14" fmla="*/ 299966 w 2373922"/>
+              <a:gd name="connsiteY14" fmla="*/ 1136138 h 2803300"/>
+              <a:gd name="connsiteX15" fmla="*/ 937472 w 2373922"/>
+              <a:gd name="connsiteY15" fmla="*/ 161485 h 2803300"/>
+              <a:gd name="connsiteX16" fmla="*/ 1049822 w 2373922"/>
+              <a:gd name="connsiteY16" fmla="*/ 145 h 2803300"/>
+            </a:gdLst>
+            <a:ahLst/>
+            <a:cxnLst>
+              <a:cxn ang="0">
+                <a:pos x="connsiteX0" y="connsiteY0"/>
+              </a:cxn>
+              <a:cxn ang="0">
+                <a:pos x="connsiteX1" y="connsiteY1"/>
+              </a:cxn>
+              <a:cxn ang="0">
+                <a:pos x="connsiteX2" y="connsiteY2"/>
+              </a:cxn>
+              <a:cxn ang="0">
+                <a:pos x="connsiteX3" y="connsiteY3"/>
+              </a:cxn>
+              <a:cxn ang="0">
+                <a:pos x="connsiteX4" y="connsiteY4"/>
+              </a:cxn>
+              <a:cxn ang="0">
+                <a:pos x="connsiteX5" y="connsiteY5"/>
+              </a:cxn>
+              <a:cxn ang="0">
+                <a:pos x="connsiteX6" y="connsiteY6"/>
+              </a:cxn>
+              <a:cxn ang="0">
+                <a:pos x="connsiteX7" y="connsiteY7"/>
+              </a:cxn>
+              <a:cxn ang="0">
+                <a:pos x="connsiteX8" y="connsiteY8"/>
+              </a:cxn>
+              <a:cxn ang="0">
+                <a:pos x="connsiteX9" y="connsiteY9"/>
+              </a:cxn>
+              <a:cxn ang="0">
+                <a:pos x="connsiteX10" y="connsiteY10"/>
+              </a:cxn>
+              <a:cxn ang="0">
+                <a:pos x="connsiteX11" y="connsiteY11"/>
+              </a:cxn>
+              <a:cxn ang="0">
+                <a:pos x="connsiteX12" y="connsiteY12"/>
+              </a:cxn>
+              <a:cxn ang="0">
+                <a:pos x="connsiteX13" y="connsiteY13"/>
+              </a:cxn>
+              <a:cxn ang="0">
+                <a:pos x="connsiteX14" y="connsiteY14"/>
+              </a:cxn>
+              <a:cxn ang="0">
+                <a:pos x="connsiteX15" y="connsiteY15"/>
+              </a:cxn>
+              <a:cxn ang="0">
+                <a:pos x="connsiteX16" y="connsiteY16"/>
+              </a:cxn>
+            </a:cxnLst>
+            <a:rect l="l" t="t" r="r" b="b"/>
+            <a:pathLst>
+              <a:path w="2373922" h="2803300">
+                <a:moveTo>
+                  <a:pt x="1049822" y="145"/>
+                </a:moveTo>
+                <a:cubicBezTo>
+                  <a:pt x="1143845" y="-4724"/>
+                  <a:pt x="1268997" y="113723"/>
+                  <a:pt x="1317525" y="265693"/>
+                </a:cubicBezTo>
+                <a:cubicBezTo>
+                  <a:pt x="1403343" y="619184"/>
+                  <a:pt x="814876" y="1156571"/>
+                  <a:pt x="1225576" y="1179047"/>
+                </a:cubicBezTo>
+                <a:cubicBezTo>
+                  <a:pt x="1515724" y="1150441"/>
+                  <a:pt x="1671014" y="1121835"/>
+                  <a:pt x="1985680" y="1111618"/>
+                </a:cubicBezTo>
+                <a:cubicBezTo>
+                  <a:pt x="2271741" y="1115705"/>
+                  <a:pt x="2318736" y="1297558"/>
+                  <a:pt x="2175707" y="1491671"/>
+                </a:cubicBezTo>
+                <a:cubicBezTo>
+                  <a:pt x="2355516" y="1501888"/>
+                  <a:pt x="2504676" y="1781820"/>
+                  <a:pt x="2194096" y="1896244"/>
+                </a:cubicBezTo>
+                <a:cubicBezTo>
+                  <a:pt x="2490372" y="2080140"/>
+                  <a:pt x="2320780" y="2313076"/>
+                  <a:pt x="2151187" y="2355986"/>
+                </a:cubicBezTo>
+                <a:cubicBezTo>
+                  <a:pt x="2294217" y="2484713"/>
+                  <a:pt x="2277871" y="2582791"/>
+                  <a:pt x="2132798" y="2662480"/>
+                </a:cubicBezTo>
+                <a:cubicBezTo>
+                  <a:pt x="1810980" y="2795294"/>
+                  <a:pt x="979361" y="2887242"/>
+                  <a:pt x="508383" y="2686999"/>
+                </a:cubicBezTo>
+                <a:cubicBezTo>
+                  <a:pt x="340618" y="2629554"/>
+                  <a:pt x="218316" y="2570024"/>
+                  <a:pt x="99892" y="2541486"/>
+                </a:cubicBezTo>
+                <a:lnTo>
+                  <a:pt x="0" y="2527191"/>
+                </a:lnTo>
+                <a:lnTo>
+                  <a:pt x="0" y="1492941"/>
+                </a:lnTo>
+                <a:lnTo>
+                  <a:pt x="15103" y="1488772"/>
+                </a:lnTo>
+                <a:cubicBezTo>
+                  <a:pt x="28041" y="1483858"/>
+                  <a:pt x="42965" y="1476900"/>
+                  <a:pt x="60902" y="1467152"/>
+                </a:cubicBezTo>
+                <a:cubicBezTo>
+                  <a:pt x="105854" y="1354770"/>
+                  <a:pt x="162045" y="1261800"/>
+                  <a:pt x="299966" y="1136138"/>
+                </a:cubicBezTo>
+                <a:cubicBezTo>
+                  <a:pt x="512469" y="811254"/>
+                  <a:pt x="865958" y="645747"/>
+                  <a:pt x="937472" y="161485"/>
+                </a:cubicBezTo>
+                <a:cubicBezTo>
+                  <a:pt x="948200" y="50382"/>
+                  <a:pt x="993408" y="3067"/>
+                  <a:pt x="1049822" y="145"/>
+                </a:cubicBezTo>
+                <a:close/>
+              </a:path>
+            </a:pathLst>
+          </a:custGeom>
+          <a:solidFill>
+            <a:schemeClr val="bg1"/>
+          </a:solidFill>
+          <a:ln w="19050">
+            <a:solidFill>
+              <a:schemeClr val="tx1">
+                <a:lumMod val="75000"/>
+                <a:lumOff val="25000"/>
+              </a:schemeClr>
+            </a:solidFill>
+          </a:ln>
+        </p:spPr>
+        <p:style>
+          <a:lnRef idx="2">
+            <a:schemeClr val="accent1">
+              <a:shade val="50000"/>
+            </a:schemeClr>
+          </a:lnRef>
+          <a:fillRef idx="1">
+            <a:schemeClr val="accent1"/>
+          </a:fillRef>
+          <a:effectRef idx="0">
+            <a:schemeClr val="accent1"/>
+          </a:effectRef>
+          <a:fontRef idx="minor">
+            <a:schemeClr val="lt1"/>
+          </a:fontRef>
+        </p:style>
+        <p:txBody>
+          <a:bodyPr rot="0" spcFirstLastPara="0" vertOverflow="overflow" horzOverflow="overflow" vert="horz" wrap="square" lIns="91440" tIns="45720" rIns="91440" bIns="45720" numCol="1" spcCol="0" rtlCol="0" fromWordArt="0" anchor="ctr" anchorCtr="0" forceAA="0" compatLnSpc="1">
+            <a:prstTxWarp prst="textNoShape">
+              <a:avLst/>
+            </a:prstTxWarp>
+            <a:noAutofit/>
+          </a:bodyPr>
+          <a:lstStyle/>
+          <a:p>
+            <a:pPr algn="ctr"/>
+            <a:endParaRPr lang="ko-KR" altLang="en-US" sz="2700" dirty="0"/>
+          </a:p>
+        </p:txBody>
+      </p:sp>
+      <p:pic>
+        <p:nvPicPr>
+          <p:cNvPr id="13" name="Imagem 12">
+            <a:extLst>
+              <a:ext uri="{FF2B5EF4-FFF2-40B4-BE49-F238E27FC236}">
+                <a16:creationId xmlns:a16="http://schemas.microsoft.com/office/drawing/2014/main" id="{88D4C21B-7520-4B89-83A1-A9D9838CE3D4}"/>
+              </a:ext>
+            </a:extLst>
+          </p:cNvPr>
+          <p:cNvPicPr>
+            <a:picLocks noChangeAspect="1"/>
+          </p:cNvPicPr>
+          <p:nvPr/>
+        </p:nvPicPr>
+        <p:blipFill>
+          <a:blip r:embed="rId5" cstate="print">
+            <a:extLst>
+              <a:ext uri="{28A0092B-C50C-407E-A947-70E740481C1C}">
+                <a14:useLocalDpi xmlns:a14="http://schemas.microsoft.com/office/drawing/2010/main" val="0"/>
+              </a:ext>
+            </a:extLst>
+          </a:blip>
+          <a:stretch>
+            <a:fillRect/>
+          </a:stretch>
+        </p:blipFill>
+        <p:spPr>
+          <a:xfrm>
+            <a:off x="9010071" y="2968486"/>
+            <a:ext cx="3041677" cy="3720089"/>
           </a:xfrm>
           <a:prstGeom prst="rect">
             <a:avLst/>
@@ -28456,7 +29269,7 @@
                   <a:ea typeface="Calibri" panose="020F0502020204030204" pitchFamily="34" charset="0"/>
                   <a:cs typeface="Times New Roman" panose="02020603050405020304" pitchFamily="18" charset="0"/>
                 </a:rPr>
-                <a:t>an AUC of 80%, that means the model predicts property recommendations 80% of the times. </a:t>
+                <a:t>an AUC of 80%, that means the model properly predicts recommendations 80% of the times. </a:t>
               </a:r>
             </a:p>
             <a:p>
@@ -28492,7 +29305,7 @@
                   <a:latin typeface="Calibri" panose="020F0502020204030204" pitchFamily="34" charset="0"/>
                   <a:cs typeface="Times New Roman" panose="02020603050405020304" pitchFamily="18" charset="0"/>
                 </a:rPr>
-                <a:t>Cold Star Problem: </a:t>
+                <a:t>Cold Start Problem: </a:t>
               </a:r>
               <a:r>
                 <a:rPr lang="en-US" sz="1800" dirty="0">
@@ -28504,7 +29317,30 @@
                   <a:ea typeface="Calibri" panose="020F0502020204030204" pitchFamily="34" charset="0"/>
                   <a:cs typeface="Times New Roman" panose="02020603050405020304" pitchFamily="18" charset="0"/>
                 </a:rPr>
-                <a:t>Recommendations will be made according with the location of the customer.</a:t>
+                <a:t>Recommendations will be made according </a:t>
+              </a:r>
+              <a:r>
+                <a:rPr lang="en-US" dirty="0">
+                  <a:solidFill>
+                    <a:schemeClr val="bg1"/>
+                  </a:solidFill>
+                  <a:latin typeface="Calibri" panose="020F0502020204030204" pitchFamily="34" charset="0"/>
+                  <a:ea typeface="Calibri" panose="020F0502020204030204" pitchFamily="34" charset="0"/>
+                  <a:cs typeface="Times New Roman" panose="02020603050405020304" pitchFamily="18" charset="0"/>
+                </a:rPr>
+                <a:t>to</a:t>
+              </a:r>
+              <a:r>
+                <a:rPr lang="en-US" sz="1800" dirty="0">
+                  <a:solidFill>
+                    <a:schemeClr val="bg1"/>
+                  </a:solidFill>
+                  <a:effectLst/>
+                  <a:latin typeface="Calibri" panose="020F0502020204030204" pitchFamily="34" charset="0"/>
+                  <a:ea typeface="Calibri" panose="020F0502020204030204" pitchFamily="34" charset="0"/>
+                  <a:cs typeface="Times New Roman" panose="02020603050405020304" pitchFamily="18" charset="0"/>
+                </a:rPr>
+                <a:t> the location of the customer.</a:t>
               </a:r>
             </a:p>
             <a:p>
